--- a/GreenCount.pptx
+++ b/GreenCount.pptx
@@ -144,6 +144,335 @@
     <p1510:client id="{E85C40C8-DE84-F810-CEB3-9222B71C5F30}" v="1" dt="2023-02-05T05:12:08.136"/>
   </p1510:revLst>
 </p1510:revInfo>
+</file>
+
+<file path=ppt/changesInfos/changesInfo1.xml><?xml version="1.0" encoding="utf-8"?>
+<pc:chgInfo xmlns:a="http://schemas.openxmlformats.org/drawingml/2006/main" xmlns:r="http://schemas.openxmlformats.org/officeDocument/2006/relationships" xmlns:ac="http://schemas.microsoft.com/office/drawing/2013/main/command" xmlns:pc="http://schemas.microsoft.com/office/powerpoint/2013/main/command">
+  <pc:docChgLst>
+    <pc:chgData name="Roy, Soham" userId="S::roy.28@wright.edu::712dcdbe-1e13-4aeb-898c-506ad2b39bdf" providerId="AD" clId="Web-{6F9DBF2D-7874-7E7C-2BDE-25F3B053F6AE}"/>
+    <pc:docChg chg="modSld">
+      <pc:chgData name="Roy, Soham" userId="S::roy.28@wright.edu::712dcdbe-1e13-4aeb-898c-506ad2b39bdf" providerId="AD" clId="Web-{6F9DBF2D-7874-7E7C-2BDE-25F3B053F6AE}" dt="2023-02-06T03:36:06.515" v="83" actId="20577"/>
+      <pc:docMkLst>
+        <pc:docMk/>
+      </pc:docMkLst>
+      <pc:sldChg chg="modSp">
+        <pc:chgData name="Roy, Soham" userId="S::roy.28@wright.edu::712dcdbe-1e13-4aeb-898c-506ad2b39bdf" providerId="AD" clId="Web-{6F9DBF2D-7874-7E7C-2BDE-25F3B053F6AE}" dt="2023-02-06T03:34:57.981" v="81" actId="20577"/>
+        <pc:sldMkLst>
+          <pc:docMk/>
+          <pc:sldMk cId="3768545939" sldId="268"/>
+        </pc:sldMkLst>
+        <pc:spChg chg="mod">
+          <ac:chgData name="Roy, Soham" userId="S::roy.28@wright.edu::712dcdbe-1e13-4aeb-898c-506ad2b39bdf" providerId="AD" clId="Web-{6F9DBF2D-7874-7E7C-2BDE-25F3B053F6AE}" dt="2023-02-06T03:34:57.981" v="81" actId="20577"/>
+          <ac:spMkLst>
+            <pc:docMk/>
+            <pc:sldMk cId="3768545939" sldId="268"/>
+            <ac:spMk id="3" creationId="{094E7B3B-A318-31B2-AE70-FC99C50C28B7}"/>
+          </ac:spMkLst>
+        </pc:spChg>
+      </pc:sldChg>
+      <pc:sldChg chg="modSp">
+        <pc:chgData name="Roy, Soham" userId="S::roy.28@wright.edu::712dcdbe-1e13-4aeb-898c-506ad2b39bdf" providerId="AD" clId="Web-{6F9DBF2D-7874-7E7C-2BDE-25F3B053F6AE}" dt="2023-02-06T03:36:06.515" v="83" actId="20577"/>
+        <pc:sldMkLst>
+          <pc:docMk/>
+          <pc:sldMk cId="2744747944" sldId="270"/>
+        </pc:sldMkLst>
+        <pc:spChg chg="mod">
+          <ac:chgData name="Roy, Soham" userId="S::roy.28@wright.edu::712dcdbe-1e13-4aeb-898c-506ad2b39bdf" providerId="AD" clId="Web-{6F9DBF2D-7874-7E7C-2BDE-25F3B053F6AE}" dt="2023-02-06T03:36:06.515" v="83" actId="20577"/>
+          <ac:spMkLst>
+            <pc:docMk/>
+            <pc:sldMk cId="2744747944" sldId="270"/>
+            <ac:spMk id="3" creationId="{9B17780E-257E-918A-9E87-9BE2EA7A20B9}"/>
+          </ac:spMkLst>
+        </pc:spChg>
+      </pc:sldChg>
+    </pc:docChg>
+  </pc:docChgLst>
+  <pc:docChgLst>
+    <pc:chgData name="Kari, Harish Datta" userId="S::kari.11@wright.edu::48a0b792-5ed7-4b10-8172-f6b375b21c36" providerId="AD" clId="Web-{DE97B44B-D01D-1BD6-9F1C-D10104C51E14}"/>
+    <pc:docChg chg="modSld">
+      <pc:chgData name="Kari, Harish Datta" userId="S::kari.11@wright.edu::48a0b792-5ed7-4b10-8172-f6b375b21c36" providerId="AD" clId="Web-{DE97B44B-D01D-1BD6-9F1C-D10104C51E14}" dt="2023-02-06T04:50:56.546" v="43" actId="20577"/>
+      <pc:docMkLst>
+        <pc:docMk/>
+      </pc:docMkLst>
+      <pc:sldChg chg="modSp">
+        <pc:chgData name="Kari, Harish Datta" userId="S::kari.11@wright.edu::48a0b792-5ed7-4b10-8172-f6b375b21c36" providerId="AD" clId="Web-{DE97B44B-D01D-1BD6-9F1C-D10104C51E14}" dt="2023-02-06T04:50:56.546" v="43" actId="20577"/>
+        <pc:sldMkLst>
+          <pc:docMk/>
+          <pc:sldMk cId="3768545939" sldId="268"/>
+        </pc:sldMkLst>
+        <pc:spChg chg="mod">
+          <ac:chgData name="Kari, Harish Datta" userId="S::kari.11@wright.edu::48a0b792-5ed7-4b10-8172-f6b375b21c36" providerId="AD" clId="Web-{DE97B44B-D01D-1BD6-9F1C-D10104C51E14}" dt="2023-02-06T04:50:56.546" v="43" actId="20577"/>
+          <ac:spMkLst>
+            <pc:docMk/>
+            <pc:sldMk cId="3768545939" sldId="268"/>
+            <ac:spMk id="3" creationId="{094E7B3B-A318-31B2-AE70-FC99C50C28B7}"/>
+          </ac:spMkLst>
+        </pc:spChg>
+      </pc:sldChg>
+    </pc:docChg>
+  </pc:docChgLst>
+  <pc:docChgLst>
+    <pc:chgData name="Kari, Harish Datta" userId="S::kari.11@wright.edu::48a0b792-5ed7-4b10-8172-f6b375b21c36" providerId="AD" clId="Web-{E85C40C8-DE84-F810-CEB3-9222B71C5F30}"/>
+    <pc:docChg chg="modSld">
+      <pc:chgData name="Kari, Harish Datta" userId="S::kari.11@wright.edu::48a0b792-5ed7-4b10-8172-f6b375b21c36" providerId="AD" clId="Web-{E85C40C8-DE84-F810-CEB3-9222B71C5F30}" dt="2023-02-05T05:12:08.136" v="0" actId="14100"/>
+      <pc:docMkLst>
+        <pc:docMk/>
+      </pc:docMkLst>
+      <pc:sldChg chg="modSp">
+        <pc:chgData name="Kari, Harish Datta" userId="S::kari.11@wright.edu::48a0b792-5ed7-4b10-8172-f6b375b21c36" providerId="AD" clId="Web-{E85C40C8-DE84-F810-CEB3-9222B71C5F30}" dt="2023-02-05T05:12:08.136" v="0" actId="14100"/>
+        <pc:sldMkLst>
+          <pc:docMk/>
+          <pc:sldMk cId="4213863883" sldId="265"/>
+        </pc:sldMkLst>
+        <pc:spChg chg="mod">
+          <ac:chgData name="Kari, Harish Datta" userId="S::kari.11@wright.edu::48a0b792-5ed7-4b10-8172-f6b375b21c36" providerId="AD" clId="Web-{E85C40C8-DE84-F810-CEB3-9222B71C5F30}" dt="2023-02-05T05:12:08.136" v="0" actId="14100"/>
+          <ac:spMkLst>
+            <pc:docMk/>
+            <pc:sldMk cId="4213863883" sldId="265"/>
+            <ac:spMk id="3" creationId="{D45ABF2E-1AA3-82A5-70BA-E51037EB1A15}"/>
+          </ac:spMkLst>
+        </pc:spChg>
+      </pc:sldChg>
+    </pc:docChg>
+  </pc:docChgLst>
+  <pc:docChgLst>
+    <pc:chgData name="Gogineni, Priyanka" userId="S::gogineni.36@wright.edu::adda449b-b6ae-4578-af05-41b943b2e259" providerId="AD" clId="Web-{6D12F272-066F-E69D-941F-BFF865ABEF44}"/>
+    <pc:docChg chg="modSld">
+      <pc:chgData name="Gogineni, Priyanka" userId="S::gogineni.36@wright.edu::adda449b-b6ae-4578-af05-41b943b2e259" providerId="AD" clId="Web-{6D12F272-066F-E69D-941F-BFF865ABEF44}" dt="2023-02-06T04:29:22.764" v="47" actId="20577"/>
+      <pc:docMkLst>
+        <pc:docMk/>
+      </pc:docMkLst>
+      <pc:sldChg chg="modSp">
+        <pc:chgData name="Gogineni, Priyanka" userId="S::gogineni.36@wright.edu::adda449b-b6ae-4578-af05-41b943b2e259" providerId="AD" clId="Web-{6D12F272-066F-E69D-941F-BFF865ABEF44}" dt="2023-02-06T04:29:22.764" v="47" actId="20577"/>
+        <pc:sldMkLst>
+          <pc:docMk/>
+          <pc:sldMk cId="3768545939" sldId="268"/>
+        </pc:sldMkLst>
+        <pc:spChg chg="mod">
+          <ac:chgData name="Gogineni, Priyanka" userId="S::gogineni.36@wright.edu::adda449b-b6ae-4578-af05-41b943b2e259" providerId="AD" clId="Web-{6D12F272-066F-E69D-941F-BFF865ABEF44}" dt="2023-02-06T04:29:22.764" v="47" actId="20577"/>
+          <ac:spMkLst>
+            <pc:docMk/>
+            <pc:sldMk cId="3768545939" sldId="268"/>
+            <ac:spMk id="3" creationId="{094E7B3B-A318-31B2-AE70-FC99C50C28B7}"/>
+          </ac:spMkLst>
+        </pc:spChg>
+      </pc:sldChg>
+    </pc:docChg>
+  </pc:docChgLst>
+  <pc:docChgLst>
+    <pc:chgData name="Daffner, Timothy M." userId="S::daffner.3@wright.edu::e2459b87-6391-4156-84cc-1b683c3d4982" providerId="AD" clId="Web-{7E093636-6F6C-BFB3-D885-B77EBDB6F889}"/>
+    <pc:docChg chg="addSld modSld">
+      <pc:chgData name="Daffner, Timothy M." userId="S::daffner.3@wright.edu::e2459b87-6391-4156-84cc-1b683c3d4982" providerId="AD" clId="Web-{7E093636-6F6C-BFB3-D885-B77EBDB6F889}" dt="2023-02-06T03:28:16.784" v="480" actId="20577"/>
+      <pc:docMkLst>
+        <pc:docMk/>
+      </pc:docMkLst>
+      <pc:sldChg chg="addSp delSp modSp">
+        <pc:chgData name="Daffner, Timothy M." userId="S::daffner.3@wright.edu::e2459b87-6391-4156-84cc-1b683c3d4982" providerId="AD" clId="Web-{7E093636-6F6C-BFB3-D885-B77EBDB6F889}" dt="2023-02-06T03:23:13.101" v="199" actId="20577"/>
+        <pc:sldMkLst>
+          <pc:docMk/>
+          <pc:sldMk cId="4213863883" sldId="265"/>
+        </pc:sldMkLst>
+        <pc:spChg chg="mod">
+          <ac:chgData name="Daffner, Timothy M." userId="S::daffner.3@wright.edu::e2459b87-6391-4156-84cc-1b683c3d4982" providerId="AD" clId="Web-{7E093636-6F6C-BFB3-D885-B77EBDB6F889}" dt="2023-02-06T03:17:36.276" v="148" actId="20577"/>
+          <ac:spMkLst>
+            <pc:docMk/>
+            <pc:sldMk cId="4213863883" sldId="265"/>
+            <ac:spMk id="3" creationId="{D45ABF2E-1AA3-82A5-70BA-E51037EB1A15}"/>
+          </ac:spMkLst>
+        </pc:spChg>
+        <pc:spChg chg="del mod">
+          <ac:chgData name="Daffner, Timothy M." userId="S::daffner.3@wright.edu::e2459b87-6391-4156-84cc-1b683c3d4982" providerId="AD" clId="Web-{7E093636-6F6C-BFB3-D885-B77EBDB6F889}" dt="2023-02-06T03:15:00.145" v="68"/>
+          <ac:spMkLst>
+            <pc:docMk/>
+            <pc:sldMk cId="4213863883" sldId="265"/>
+            <ac:spMk id="5" creationId="{EFFCBA57-ED37-3911-4D96-554817B3D945}"/>
+          </ac:spMkLst>
+        </pc:spChg>
+        <pc:spChg chg="add mod">
+          <ac:chgData name="Daffner, Timothy M." userId="S::daffner.3@wright.edu::e2459b87-6391-4156-84cc-1b683c3d4982" providerId="AD" clId="Web-{7E093636-6F6C-BFB3-D885-B77EBDB6F889}" dt="2023-02-06T03:20:48.408" v="175" actId="1076"/>
+          <ac:spMkLst>
+            <pc:docMk/>
+            <pc:sldMk cId="4213863883" sldId="265"/>
+            <ac:spMk id="9" creationId="{91F76D20-ADD1-7E89-6929-0079D6650259}"/>
+          </ac:spMkLst>
+        </pc:spChg>
+        <pc:spChg chg="add mod">
+          <ac:chgData name="Daffner, Timothy M." userId="S::daffner.3@wright.edu::e2459b87-6391-4156-84cc-1b683c3d4982" providerId="AD" clId="Web-{7E093636-6F6C-BFB3-D885-B77EBDB6F889}" dt="2023-02-06T03:21:59.035" v="187" actId="1076"/>
+          <ac:spMkLst>
+            <pc:docMk/>
+            <pc:sldMk cId="4213863883" sldId="265"/>
+            <ac:spMk id="10" creationId="{B3F9EE93-07FA-1ACB-D46B-7676E891C922}"/>
+          </ac:spMkLst>
+        </pc:spChg>
+        <pc:spChg chg="add mod">
+          <ac:chgData name="Daffner, Timothy M." userId="S::daffner.3@wright.edu::e2459b87-6391-4156-84cc-1b683c3d4982" providerId="AD" clId="Web-{7E093636-6F6C-BFB3-D885-B77EBDB6F889}" dt="2023-02-06T03:23:13.101" v="199" actId="20577"/>
+          <ac:spMkLst>
+            <pc:docMk/>
+            <pc:sldMk cId="4213863883" sldId="265"/>
+            <ac:spMk id="11" creationId="{5B5C806F-1EC6-C471-FF33-0735E2F7E2BF}"/>
+          </ac:spMkLst>
+        </pc:spChg>
+        <pc:picChg chg="del">
+          <ac:chgData name="Daffner, Timothy M." userId="S::daffner.3@wright.edu::e2459b87-6391-4156-84cc-1b683c3d4982" providerId="AD" clId="Web-{7E093636-6F6C-BFB3-D885-B77EBDB6F889}" dt="2023-02-06T03:14:52.239" v="65"/>
+          <ac:picMkLst>
+            <pc:docMk/>
+            <pc:sldMk cId="4213863883" sldId="265"/>
+            <ac:picMk id="4" creationId="{F50AE763-86C8-37F6-606E-550F465C82A5}"/>
+          </ac:picMkLst>
+        </pc:picChg>
+        <pc:picChg chg="add mod">
+          <ac:chgData name="Daffner, Timothy M." userId="S::daffner.3@wright.edu::e2459b87-6391-4156-84cc-1b683c3d4982" providerId="AD" clId="Web-{7E093636-6F6C-BFB3-D885-B77EBDB6F889}" dt="2023-02-06T03:17:40.823" v="149" actId="1076"/>
+          <ac:picMkLst>
+            <pc:docMk/>
+            <pc:sldMk cId="4213863883" sldId="265"/>
+            <ac:picMk id="6" creationId="{79624ED5-DF46-DD15-2B28-9F6FCCAD7DA6}"/>
+          </ac:picMkLst>
+        </pc:picChg>
+        <pc:picChg chg="add mod">
+          <ac:chgData name="Daffner, Timothy M." userId="S::daffner.3@wright.edu::e2459b87-6391-4156-84cc-1b683c3d4982" providerId="AD" clId="Web-{7E093636-6F6C-BFB3-D885-B77EBDB6F889}" dt="2023-02-06T03:19:27.046" v="156" actId="1076"/>
+          <ac:picMkLst>
+            <pc:docMk/>
+            <pc:sldMk cId="4213863883" sldId="265"/>
+            <ac:picMk id="7" creationId="{AEF49F77-FCA2-E3F0-6741-7CF1285EA380}"/>
+          </ac:picMkLst>
+        </pc:picChg>
+        <pc:picChg chg="add mod">
+          <ac:chgData name="Daffner, Timothy M." userId="S::daffner.3@wright.edu::e2459b87-6391-4156-84cc-1b683c3d4982" providerId="AD" clId="Web-{7E093636-6F6C-BFB3-D885-B77EBDB6F889}" dt="2023-02-06T03:19:22.124" v="155" actId="1076"/>
+          <ac:picMkLst>
+            <pc:docMk/>
+            <pc:sldMk cId="4213863883" sldId="265"/>
+            <ac:picMk id="8" creationId="{0550E67F-FF08-1BFA-D095-2516401A1877}"/>
+          </ac:picMkLst>
+        </pc:picChg>
+      </pc:sldChg>
+      <pc:sldChg chg="modSp">
+        <pc:chgData name="Daffner, Timothy M." userId="S::daffner.3@wright.edu::e2459b87-6391-4156-84cc-1b683c3d4982" providerId="AD" clId="Web-{7E093636-6F6C-BFB3-D885-B77EBDB6F889}" dt="2023-02-06T03:11:05.105" v="64" actId="20577"/>
+        <pc:sldMkLst>
+          <pc:docMk/>
+          <pc:sldMk cId="3768545939" sldId="268"/>
+        </pc:sldMkLst>
+        <pc:spChg chg="mod">
+          <ac:chgData name="Daffner, Timothy M." userId="S::daffner.3@wright.edu::e2459b87-6391-4156-84cc-1b683c3d4982" providerId="AD" clId="Web-{7E093636-6F6C-BFB3-D885-B77EBDB6F889}" dt="2023-02-06T03:11:05.105" v="64" actId="20577"/>
+          <ac:spMkLst>
+            <pc:docMk/>
+            <pc:sldMk cId="3768545939" sldId="268"/>
+            <ac:spMk id="3" creationId="{094E7B3B-A318-31B2-AE70-FC99C50C28B7}"/>
+          </ac:spMkLst>
+        </pc:spChg>
+      </pc:sldChg>
+      <pc:sldChg chg="modSp new">
+        <pc:chgData name="Daffner, Timothy M." userId="S::daffner.3@wright.edu::e2459b87-6391-4156-84cc-1b683c3d4982" providerId="AD" clId="Web-{7E093636-6F6C-BFB3-D885-B77EBDB6F889}" dt="2023-02-06T03:28:16.784" v="480" actId="20577"/>
+        <pc:sldMkLst>
+          <pc:docMk/>
+          <pc:sldMk cId="2744747944" sldId="270"/>
+        </pc:sldMkLst>
+        <pc:spChg chg="mod">
+          <ac:chgData name="Daffner, Timothy M." userId="S::daffner.3@wright.edu::e2459b87-6391-4156-84cc-1b683c3d4982" providerId="AD" clId="Web-{7E093636-6F6C-BFB3-D885-B77EBDB6F889}" dt="2023-02-06T03:23:40.195" v="206" actId="20577"/>
+          <ac:spMkLst>
+            <pc:docMk/>
+            <pc:sldMk cId="2744747944" sldId="270"/>
+            <ac:spMk id="2" creationId="{CADFE884-F82B-D526-3D37-703D09C6A2F0}"/>
+          </ac:spMkLst>
+        </pc:spChg>
+        <pc:spChg chg="mod">
+          <ac:chgData name="Daffner, Timothy M." userId="S::daffner.3@wright.edu::e2459b87-6391-4156-84cc-1b683c3d4982" providerId="AD" clId="Web-{7E093636-6F6C-BFB3-D885-B77EBDB6F889}" dt="2023-02-06T03:28:16.784" v="480" actId="20577"/>
+          <ac:spMkLst>
+            <pc:docMk/>
+            <pc:sldMk cId="2744747944" sldId="270"/>
+            <ac:spMk id="3" creationId="{9B17780E-257E-918A-9E87-9BE2EA7A20B9}"/>
+          </ac:spMkLst>
+        </pc:spChg>
+      </pc:sldChg>
+    </pc:docChg>
+  </pc:docChgLst>
+  <pc:docChgLst>
+    <pc:chgData name="Gogineni, Priyanka" userId="S::gogineni.36@wright.edu::adda449b-b6ae-4578-af05-41b943b2e259" providerId="AD" clId="Web-{CA282FFF-34B3-EEE3-23DF-8C99865AB8DA}"/>
+    <pc:docChg chg="modSld">
+      <pc:chgData name="Gogineni, Priyanka" userId="S::gogineni.36@wright.edu::adda449b-b6ae-4578-af05-41b943b2e259" providerId="AD" clId="Web-{CA282FFF-34B3-EEE3-23DF-8C99865AB8DA}" dt="2023-02-05T04:43:29.463" v="75" actId="1076"/>
+      <pc:docMkLst>
+        <pc:docMk/>
+      </pc:docMkLst>
+      <pc:sldChg chg="modSp">
+        <pc:chgData name="Gogineni, Priyanka" userId="S::gogineni.36@wright.edu::adda449b-b6ae-4578-af05-41b943b2e259" providerId="AD" clId="Web-{CA282FFF-34B3-EEE3-23DF-8C99865AB8DA}" dt="2023-02-05T04:43:29.463" v="75" actId="1076"/>
+        <pc:sldMkLst>
+          <pc:docMk/>
+          <pc:sldMk cId="4213863883" sldId="265"/>
+        </pc:sldMkLst>
+        <pc:spChg chg="mod">
+          <ac:chgData name="Gogineni, Priyanka" userId="S::gogineni.36@wright.edu::adda449b-b6ae-4578-af05-41b943b2e259" providerId="AD" clId="Web-{CA282FFF-34B3-EEE3-23DF-8C99865AB8DA}" dt="2023-02-05T04:43:27.494" v="74" actId="20577"/>
+          <ac:spMkLst>
+            <pc:docMk/>
+            <pc:sldMk cId="4213863883" sldId="265"/>
+            <ac:spMk id="3" creationId="{D45ABF2E-1AA3-82A5-70BA-E51037EB1A15}"/>
+          </ac:spMkLst>
+        </pc:spChg>
+        <pc:picChg chg="mod">
+          <ac:chgData name="Gogineni, Priyanka" userId="S::gogineni.36@wright.edu::adda449b-b6ae-4578-af05-41b943b2e259" providerId="AD" clId="Web-{CA282FFF-34B3-EEE3-23DF-8C99865AB8DA}" dt="2023-02-05T04:43:29.463" v="75" actId="1076"/>
+          <ac:picMkLst>
+            <pc:docMk/>
+            <pc:sldMk cId="4213863883" sldId="265"/>
+            <ac:picMk id="4" creationId="{F50AE763-86C8-37F6-606E-550F465C82A5}"/>
+          </ac:picMkLst>
+        </pc:picChg>
+      </pc:sldChg>
+    </pc:docChg>
+  </pc:docChgLst>
+  <pc:docChgLst>
+    <pc:chgData name="Roy, Soham" userId="S::roy.28@wright.edu::712dcdbe-1e13-4aeb-898c-506ad2b39bdf" providerId="AD" clId="Web-{1B63E792-CEC8-439C-92F4-F4193E2575AB}"/>
+    <pc:docChg chg="modSld">
+      <pc:chgData name="Roy, Soham" userId="S::roy.28@wright.edu::712dcdbe-1e13-4aeb-898c-506ad2b39bdf" providerId="AD" clId="Web-{1B63E792-CEC8-439C-92F4-F4193E2575AB}" dt="2023-02-05T00:42:45.239" v="108" actId="20577"/>
+      <pc:docMkLst>
+        <pc:docMk/>
+      </pc:docMkLst>
+      <pc:sldChg chg="modSp">
+        <pc:chgData name="Roy, Soham" userId="S::roy.28@wright.edu::712dcdbe-1e13-4aeb-898c-506ad2b39bdf" providerId="AD" clId="Web-{1B63E792-CEC8-439C-92F4-F4193E2575AB}" dt="2023-02-05T00:37:59.294" v="22" actId="20577"/>
+        <pc:sldMkLst>
+          <pc:docMk/>
+          <pc:sldMk cId="1582522435" sldId="263"/>
+        </pc:sldMkLst>
+        <pc:spChg chg="mod">
+          <ac:chgData name="Roy, Soham" userId="S::roy.28@wright.edu::712dcdbe-1e13-4aeb-898c-506ad2b39bdf" providerId="AD" clId="Web-{1B63E792-CEC8-439C-92F4-F4193E2575AB}" dt="2023-02-05T00:37:59.294" v="22" actId="20577"/>
+          <ac:spMkLst>
+            <pc:docMk/>
+            <pc:sldMk cId="1582522435" sldId="263"/>
+            <ac:spMk id="3" creationId="{C9F66158-7FEB-43DE-4C32-987E52739708}"/>
+          </ac:spMkLst>
+        </pc:spChg>
+      </pc:sldChg>
+      <pc:sldChg chg="addSp modSp">
+        <pc:chgData name="Roy, Soham" userId="S::roy.28@wright.edu::712dcdbe-1e13-4aeb-898c-506ad2b39bdf" providerId="AD" clId="Web-{1B63E792-CEC8-439C-92F4-F4193E2575AB}" dt="2023-02-05T00:42:45.239" v="108" actId="20577"/>
+        <pc:sldMkLst>
+          <pc:docMk/>
+          <pc:sldMk cId="4213863883" sldId="265"/>
+        </pc:sldMkLst>
+        <pc:spChg chg="mod">
+          <ac:chgData name="Roy, Soham" userId="S::roy.28@wright.edu::712dcdbe-1e13-4aeb-898c-506ad2b39bdf" providerId="AD" clId="Web-{1B63E792-CEC8-439C-92F4-F4193E2575AB}" dt="2023-02-05T00:42:45.239" v="108" actId="20577"/>
+          <ac:spMkLst>
+            <pc:docMk/>
+            <pc:sldMk cId="4213863883" sldId="265"/>
+            <ac:spMk id="3" creationId="{D45ABF2E-1AA3-82A5-70BA-E51037EB1A15}"/>
+          </ac:spMkLst>
+        </pc:spChg>
+        <pc:spChg chg="add mod">
+          <ac:chgData name="Roy, Soham" userId="S::roy.28@wright.edu::712dcdbe-1e13-4aeb-898c-506ad2b39bdf" providerId="AD" clId="Web-{1B63E792-CEC8-439C-92F4-F4193E2575AB}" dt="2023-02-05T00:41:00.331" v="46" actId="20577"/>
+          <ac:spMkLst>
+            <pc:docMk/>
+            <pc:sldMk cId="4213863883" sldId="265"/>
+            <ac:spMk id="5" creationId="{EFFCBA57-ED37-3911-4D96-554817B3D945}"/>
+          </ac:spMkLst>
+        </pc:spChg>
+        <pc:picChg chg="add mod">
+          <ac:chgData name="Roy, Soham" userId="S::roy.28@wright.edu::712dcdbe-1e13-4aeb-898c-506ad2b39bdf" providerId="AD" clId="Web-{1B63E792-CEC8-439C-92F4-F4193E2575AB}" dt="2023-02-05T00:40:13.002" v="25" actId="1076"/>
+          <ac:picMkLst>
+            <pc:docMk/>
+            <pc:sldMk cId="4213863883" sldId="265"/>
+            <ac:picMk id="4" creationId="{F50AE763-86C8-37F6-606E-550F465C82A5}"/>
+          </ac:picMkLst>
+        </pc:picChg>
+      </pc:sldChg>
+    </pc:docChg>
+  </pc:docChgLst>
+</pc:chgInfo>
 </file>
 
 <file path=ppt/diagrams/colors1.xml><?xml version="1.0" encoding="utf-8"?>
@@ -7830,62 +8159,70 @@
           <a:p>
             <a:pPr marL="305435" indent="-305435"/>
             <a:r>
-              <a:rPr lang="en-US"/>
+              <a:rPr lang="en-US" dirty="0"/>
               <a:t>Tim Daffner – Raspberry Pi, Python.  If needed C#, C++ and Java.  Working on learning AWS </a:t>
             </a:r>
             <a:r>
-              <a:rPr lang="en-US" err="1"/>
+              <a:rPr lang="en-US" dirty="0" err="1"/>
               <a:t>Rekognition</a:t>
             </a:r>
             <a:r>
-              <a:rPr lang="en-US"/>
+              <a:rPr lang="en-US" dirty="0"/>
               <a:t> and S3.</a:t>
             </a:r>
           </a:p>
           <a:p>
             <a:pPr marL="305435" indent="-305435"/>
             <a:r>
-              <a:rPr lang="en-US"/>
+              <a:rPr lang="en-US" dirty="0"/>
               <a:t>Soham Roy – </a:t>
             </a:r>
             <a:r>
-              <a:rPr lang="en-US" err="1"/>
+              <a:rPr lang="en-US" dirty="0" err="1"/>
               <a:t>Javascript</a:t>
             </a:r>
             <a:r>
-              <a:rPr lang="en-US"/>
-              <a:t>, python and AWS services</a:t>
+              <a:rPr lang="en-US" dirty="0"/>
+              <a:t>, Python and AWS services</a:t>
             </a:r>
           </a:p>
           <a:p>
             <a:pPr marL="305435" indent="-305435"/>
             <a:r>
-              <a:rPr lang="en-US"/>
-              <a:t>Priyanka Gogineni - Python, Testing. Learning AWS.</a:t>
+              <a:rPr lang="en-US" dirty="0"/>
+              <a:t>Priyanka </a:t>
+            </a:r>
+            <a:r>
+              <a:rPr lang="en-US" dirty="0" err="1"/>
+              <a:t>Gogineni</a:t>
+            </a:r>
+            <a:r>
+              <a:rPr lang="en-US" dirty="0"/>
+              <a:t> - Python, Testing. Learning AWS.</a:t>
             </a:r>
           </a:p>
           <a:p>
             <a:pPr marL="305435" indent="-305435"/>
             <a:r>
-              <a:rPr lang="en-US"/>
-              <a:t>Harish - Python , AWS </a:t>
-            </a:r>
-            <a:r>
-              <a:rPr lang="en-US" err="1"/>
+              <a:rPr lang="en-US" dirty="0"/>
+              <a:t>Harish Datta Kari - Python,  AWS </a:t>
+            </a:r>
+            <a:r>
+              <a:rPr lang="en-US" dirty="0" err="1"/>
               <a:t>Rekognition</a:t>
             </a:r>
             <a:r>
-              <a:rPr lang="en-US"/>
+              <a:rPr lang="en-US" dirty="0"/>
               <a:t> and AWS S3</a:t>
             </a:r>
           </a:p>
           <a:p>
             <a:pPr marL="305435" indent="-305435"/>
-            <a:endParaRPr lang="en-US"/>
+            <a:endParaRPr lang="en-US" dirty="0"/>
           </a:p>
           <a:p>
             <a:pPr marL="305435" indent="-305435"/>
-            <a:endParaRPr lang="en-US"/>
+            <a:endParaRPr lang="en-US" dirty="0"/>
           </a:p>
         </p:txBody>
       </p:sp>
@@ -7899,6 +8236,18 @@
   <p:clrMapOvr>
     <a:masterClrMapping/>
   </p:clrMapOvr>
+  <mc:AlternateContent xmlns:mc="http://schemas.openxmlformats.org/markup-compatibility/2006">
+    <mc:Choice xmlns:p159="http://schemas.microsoft.com/office/powerpoint/2015/09/main" Requires="p159">
+      <p:transition xmlns:p14="http://schemas.microsoft.com/office/powerpoint/2010/main" spd="slow" p14:dur="2000">
+        <p159:morph option="byObject"/>
+      </p:transition>
+    </mc:Choice>
+    <mc:Fallback>
+      <p:transition spd="slow">
+        <p:fade/>
+      </p:transition>
+    </mc:Fallback>
+  </mc:AlternateContent>
 </p:sld>
 </file>
 
@@ -8001,6 +8350,18 @@
   <p:clrMapOvr>
     <a:masterClrMapping/>
   </p:clrMapOvr>
+  <mc:AlternateContent xmlns:mc="http://schemas.openxmlformats.org/markup-compatibility/2006">
+    <mc:Choice xmlns:p14="http://schemas.microsoft.com/office/powerpoint/2010/main" Requires="p14">
+      <p:transition spd="slow" p14:dur="800">
+        <p:circle/>
+      </p:transition>
+    </mc:Choice>
+    <mc:Fallback>
+      <p:transition spd="slow">
+        <p:circle/>
+      </p:transition>
+    </mc:Fallback>
+  </mc:AlternateContent>
 </p:sld>
 </file>
 
@@ -8621,6 +8982,18 @@
   <p:clrMapOvr>
     <a:masterClrMapping/>
   </p:clrMapOvr>
+  <mc:AlternateContent xmlns:mc="http://schemas.openxmlformats.org/markup-compatibility/2006">
+    <mc:Choice xmlns:p15="http://schemas.microsoft.com/office/powerpoint/2012/main" Requires="p15">
+      <p:transition xmlns:p14="http://schemas.microsoft.com/office/powerpoint/2010/main" spd="slow" p14:dur="2000">
+        <p15:prstTrans prst="fallOver"/>
+      </p:transition>
+    </mc:Choice>
+    <mc:Fallback>
+      <p:transition spd="slow">
+        <p:fade/>
+      </p:transition>
+    </mc:Fallback>
+  </mc:AlternateContent>
 </p:sld>
 </file>
 
@@ -9031,6 +9404,9 @@
   <p:clrMapOvr>
     <a:masterClrMapping/>
   </p:clrMapOvr>
+  <p:transition spd="slow">
+    <p:push dir="u"/>
+  </p:transition>
 </p:sld>
 </file>
 
@@ -9101,19 +9477,19 @@
           <a:lstStyle/>
           <a:p>
             <a:r>
-              <a:rPr lang="en-US"/>
-              <a:t>People are more conscious of recycling so what info can they gain?</a:t>
-            </a:r>
-          </a:p>
-          <a:p>
-            <a:r>
-              <a:rPr lang="en-US"/>
+              <a:rPr lang="en-US" dirty="0"/>
+              <a:t>People are more conscious of recycling so what info can they gain from it?</a:t>
+            </a:r>
+          </a:p>
+          <a:p>
+            <a:r>
+              <a:rPr lang="en-US" dirty="0"/>
               <a:t>This product will help keep count of how many things people recycle per day.</a:t>
             </a:r>
           </a:p>
           <a:p>
             <a:r>
-              <a:rPr lang="en-US"/>
+              <a:rPr lang="en-US" dirty="0"/>
               <a:t>The product will also let the user know exactly what they are recycling be it paper, plastic or cardboard.</a:t>
             </a:r>
           </a:p>
@@ -9129,6 +9505,9 @@
   <p:clrMapOvr>
     <a:masterClrMapping/>
   </p:clrMapOvr>
+  <p:transition spd="slow">
+    <p:wipe/>
+  </p:transition>
 </p:sld>
 </file>
 
@@ -9200,28 +9579,28 @@
           <a:p>
             <a:pPr marL="305435" indent="-305435"/>
             <a:r>
-              <a:rPr lang="en-US"/>
+              <a:rPr lang="en-US" dirty="0"/>
               <a:t>This product uses an IoT approach.</a:t>
             </a:r>
           </a:p>
           <a:p>
             <a:pPr marL="305435" indent="-305435"/>
             <a:r>
-              <a:rPr lang="en-US"/>
+              <a:rPr lang="en-US" dirty="0"/>
               <a:t>A camera will be attached to the users recycling bin.  Every time an item is recycled, a picture is snapped.</a:t>
             </a:r>
           </a:p>
           <a:p>
             <a:pPr marL="305435" indent="-305435"/>
             <a:r>
-              <a:rPr lang="en-US"/>
-              <a:t>That picture will be uploaded to a photo bucket where it will be analyzed by a Cloud service provider (AWS or Azure.</a:t>
+              <a:rPr lang="en-US" dirty="0"/>
+              <a:t>That picture will be uploaded to a photo bucket where it will be analyzed by a Cloud service provider (AWS or Azure).</a:t>
             </a:r>
           </a:p>
           <a:p>
             <a:pPr marL="305435" indent="-305435"/>
             <a:r>
-              <a:rPr lang="en-US"/>
+              <a:rPr lang="en-US" dirty="0"/>
               <a:t>The user will get information back on a webapp that lets them keep track of what they are recycling and how much they are recycling per day.</a:t>
             </a:r>
           </a:p>
@@ -9237,6 +9616,18 @@
   <p:clrMapOvr>
     <a:masterClrMapping/>
   </p:clrMapOvr>
+  <mc:AlternateContent xmlns:mc="http://schemas.openxmlformats.org/markup-compatibility/2006">
+    <mc:Choice xmlns:p15="http://schemas.microsoft.com/office/powerpoint/2012/main" Requires="p15">
+      <p:transition xmlns:p14="http://schemas.microsoft.com/office/powerpoint/2010/main" spd="slow" p14:dur="1250">
+        <p15:prstTrans prst="peelOff"/>
+      </p:transition>
+    </mc:Choice>
+    <mc:Fallback>
+      <p:transition spd="slow">
+        <p:fade/>
+      </p:transition>
+    </mc:Fallback>
+  </mc:AlternateContent>
 </p:sld>
 </file>
 
@@ -9310,32 +9701,32 @@
               <a:buNone/>
             </a:pPr>
             <a:r>
-              <a:rPr lang="en-US"/>
+              <a:rPr lang="en-US" dirty="0"/>
               <a:t>	The prototype unit will utilize a Raspberry Pi with a camera and motion sensor attached.  When motion occurs at the recycle bin, the Pi will trigger the camera to snap a picture.  Using </a:t>
             </a:r>
             <a:r>
-              <a:rPr lang="en-US" err="1"/>
+              <a:rPr lang="en-US" dirty="0" err="1"/>
               <a:t>WiFi</a:t>
             </a:r>
             <a:r>
-              <a:rPr lang="en-US"/>
-              <a:t>, the Pi will then send the picture to a </a:t>
-            </a:r>
-            <a:r>
-              <a:rPr lang="en-US" err="1"/>
-              <a:t>photobucket</a:t>
-            </a:r>
-            <a:r>
-              <a:rPr lang="en-US"/>
-              <a:t> using Amazon S3.  Then the picture will be analyzed using AWS </a:t>
-            </a:r>
-            <a:r>
-              <a:rPr lang="en-US" err="1"/>
+              <a:rPr lang="en-US" dirty="0"/>
+              <a:t>, the Pi will then send the picture to a webserver using Amazon S3.  The picture will then be analyzed using AWS </a:t>
+            </a:r>
+            <a:r>
+              <a:rPr lang="en-US" dirty="0" err="1"/>
               <a:t>Rekognition</a:t>
             </a:r>
             <a:r>
-              <a:rPr lang="en-US"/>
-              <a:t>.  The results will be sent to a webapp that the user can view.</a:t>
+              <a:rPr lang="en-US" dirty="0"/>
+              <a:t>.  Should it be the case that we cannot train </a:t>
+            </a:r>
+            <a:r>
+              <a:rPr lang="en-US" dirty="0" err="1"/>
+              <a:t>Rekognition</a:t>
+            </a:r>
+            <a:r>
+              <a:rPr lang="en-US" dirty="0"/>
+              <a:t>, there are other services we can use to support our project.  The results will be sent to a webapp that the user can view.</a:t>
             </a:r>
           </a:p>
           <a:p>
@@ -9343,7 +9734,7 @@
               <a:buNone/>
             </a:pPr>
             <a:r>
-              <a:rPr lang="en-US"/>
+              <a:rPr lang="en-US" dirty="0"/>
               <a:t>	The reason this product will be successful is that people, especially the younger generations, realize how important recycling is.  They will want to keep track of their recycling and know that they are doing their part.</a:t>
             </a:r>
           </a:p>
@@ -9359,6 +9750,9 @@
   <p:clrMapOvr>
     <a:masterClrMapping/>
   </p:clrMapOvr>
+  <p:transition spd="slow">
+    <p:cover/>
+  </p:transition>
 </p:sld>
 </file>
 
@@ -9710,6 +10104,18 @@
   <p:clrMapOvr>
     <a:masterClrMapping/>
   </p:clrMapOvr>
+  <mc:AlternateContent xmlns:mc="http://schemas.openxmlformats.org/markup-compatibility/2006">
+    <mc:Choice xmlns:p14="http://schemas.microsoft.com/office/powerpoint/2010/main" Requires="p14">
+      <p:transition spd="slow" p14:dur="1500">
+        <p:split orient="vert"/>
+      </p:transition>
+    </mc:Choice>
+    <mc:Fallback>
+      <p:transition spd="slow">
+        <p:split orient="vert"/>
+      </p:transition>
+    </mc:Fallback>
+  </mc:AlternateContent>
 </p:sld>
 </file>
 
@@ -9829,6 +10235,18 @@
   <p:clrMapOvr>
     <a:masterClrMapping/>
   </p:clrMapOvr>
+  <mc:AlternateContent xmlns:mc="http://schemas.openxmlformats.org/markup-compatibility/2006">
+    <mc:Choice xmlns:p14="http://schemas.microsoft.com/office/powerpoint/2010/main" Requires="p14">
+      <p:transition spd="med" p14:dur="700">
+        <p:fade/>
+      </p:transition>
+    </mc:Choice>
+    <mc:Fallback>
+      <p:transition spd="med">
+        <p:fade/>
+      </p:transition>
+    </mc:Fallback>
+  </mc:AlternateContent>
 </p:sld>
 </file>
 
@@ -9918,6 +10336,9 @@
   <p:clrMapOvr>
     <a:masterClrMapping/>
   </p:clrMapOvr>
+  <p:transition spd="slow">
+    <p:push dir="u"/>
+  </p:transition>
 </p:sld>
 </file>
 
@@ -10007,6 +10428,18 @@
   <p:clrMapOvr>
     <a:masterClrMapping/>
   </p:clrMapOvr>
+  <mc:AlternateContent xmlns:mc="http://schemas.openxmlformats.org/markup-compatibility/2006">
+    <mc:Choice xmlns:p14="http://schemas.microsoft.com/office/powerpoint/2010/main" Requires="p14">
+      <p:transition spd="med" p14:dur="700">
+        <p:fade/>
+      </p:transition>
+    </mc:Choice>
+    <mc:Fallback>
+      <p:transition spd="med">
+        <p:fade/>
+      </p:transition>
+    </mc:Fallback>
+  </mc:AlternateContent>
 </p:sld>
 </file>
 

--- a/GreenCount.pptx
+++ b/GreenCount.pptx
@@ -132,85 +132,8 @@
 </p:presentation>
 </file>
 
-<file path=ppt/revisionInfo.xml><?xml version="1.0" encoding="utf-8"?>
-<p1510:revInfo xmlns:a="http://schemas.openxmlformats.org/drawingml/2006/main" xmlns:r="http://schemas.openxmlformats.org/officeDocument/2006/relationships" xmlns:p1510="http://schemas.microsoft.com/office/powerpoint/2015/10/main">
-  <p1510:revLst>
-    <p1510:client id="{1B63E792-CEC8-439C-92F4-F4193E2575AB}" v="131" dt="2023-02-05T00:42:46.942"/>
-    <p1510:client id="{6D12F272-066F-E69D-941F-BFF865ABEF44}" v="48" dt="2023-02-06T04:29:22.764"/>
-    <p1510:client id="{6F9DBF2D-7874-7E7C-2BDE-25F3B053F6AE}" v="84" dt="2023-02-06T03:36:06.515"/>
-    <p1510:client id="{7E093636-6F6C-BFB3-D885-B77EBDB6F889}" v="518" dt="2023-02-06T03:28:16.784"/>
-    <p1510:client id="{CA282FFF-34B3-EEE3-23DF-8C99865AB8DA}" v="79" dt="2023-02-05T04:43:29.541"/>
-    <p1510:client id="{DE97B44B-D01D-1BD6-9F1C-D10104C51E14}" v="44" dt="2023-02-06T04:50:56.546"/>
-    <p1510:client id="{E85C40C8-DE84-F810-CEB3-9222B71C5F30}" v="1" dt="2023-02-05T05:12:08.136"/>
-  </p1510:revLst>
-</p1510:revInfo>
-</file>
-
 <file path=ppt/changesInfos/changesInfo1.xml><?xml version="1.0" encoding="utf-8"?>
 <pc:chgInfo xmlns:a="http://schemas.openxmlformats.org/drawingml/2006/main" xmlns:r="http://schemas.openxmlformats.org/officeDocument/2006/relationships" xmlns:ac="http://schemas.microsoft.com/office/drawing/2013/main/command" xmlns:pc="http://schemas.microsoft.com/office/powerpoint/2013/main/command">
-  <pc:docChgLst>
-    <pc:chgData name="Roy, Soham" userId="S::roy.28@wright.edu::712dcdbe-1e13-4aeb-898c-506ad2b39bdf" providerId="AD" clId="Web-{6F9DBF2D-7874-7E7C-2BDE-25F3B053F6AE}"/>
-    <pc:docChg chg="modSld">
-      <pc:chgData name="Roy, Soham" userId="S::roy.28@wright.edu::712dcdbe-1e13-4aeb-898c-506ad2b39bdf" providerId="AD" clId="Web-{6F9DBF2D-7874-7E7C-2BDE-25F3B053F6AE}" dt="2023-02-06T03:36:06.515" v="83" actId="20577"/>
-      <pc:docMkLst>
-        <pc:docMk/>
-      </pc:docMkLst>
-      <pc:sldChg chg="modSp">
-        <pc:chgData name="Roy, Soham" userId="S::roy.28@wright.edu::712dcdbe-1e13-4aeb-898c-506ad2b39bdf" providerId="AD" clId="Web-{6F9DBF2D-7874-7E7C-2BDE-25F3B053F6AE}" dt="2023-02-06T03:34:57.981" v="81" actId="20577"/>
-        <pc:sldMkLst>
-          <pc:docMk/>
-          <pc:sldMk cId="3768545939" sldId="268"/>
-        </pc:sldMkLst>
-        <pc:spChg chg="mod">
-          <ac:chgData name="Roy, Soham" userId="S::roy.28@wright.edu::712dcdbe-1e13-4aeb-898c-506ad2b39bdf" providerId="AD" clId="Web-{6F9DBF2D-7874-7E7C-2BDE-25F3B053F6AE}" dt="2023-02-06T03:34:57.981" v="81" actId="20577"/>
-          <ac:spMkLst>
-            <pc:docMk/>
-            <pc:sldMk cId="3768545939" sldId="268"/>
-            <ac:spMk id="3" creationId="{094E7B3B-A318-31B2-AE70-FC99C50C28B7}"/>
-          </ac:spMkLst>
-        </pc:spChg>
-      </pc:sldChg>
-      <pc:sldChg chg="modSp">
-        <pc:chgData name="Roy, Soham" userId="S::roy.28@wright.edu::712dcdbe-1e13-4aeb-898c-506ad2b39bdf" providerId="AD" clId="Web-{6F9DBF2D-7874-7E7C-2BDE-25F3B053F6AE}" dt="2023-02-06T03:36:06.515" v="83" actId="20577"/>
-        <pc:sldMkLst>
-          <pc:docMk/>
-          <pc:sldMk cId="2744747944" sldId="270"/>
-        </pc:sldMkLst>
-        <pc:spChg chg="mod">
-          <ac:chgData name="Roy, Soham" userId="S::roy.28@wright.edu::712dcdbe-1e13-4aeb-898c-506ad2b39bdf" providerId="AD" clId="Web-{6F9DBF2D-7874-7E7C-2BDE-25F3B053F6AE}" dt="2023-02-06T03:36:06.515" v="83" actId="20577"/>
-          <ac:spMkLst>
-            <pc:docMk/>
-            <pc:sldMk cId="2744747944" sldId="270"/>
-            <ac:spMk id="3" creationId="{9B17780E-257E-918A-9E87-9BE2EA7A20B9}"/>
-          </ac:spMkLst>
-        </pc:spChg>
-      </pc:sldChg>
-    </pc:docChg>
-  </pc:docChgLst>
-  <pc:docChgLst>
-    <pc:chgData name="Kari, Harish Datta" userId="S::kari.11@wright.edu::48a0b792-5ed7-4b10-8172-f6b375b21c36" providerId="AD" clId="Web-{DE97B44B-D01D-1BD6-9F1C-D10104C51E14}"/>
-    <pc:docChg chg="modSld">
-      <pc:chgData name="Kari, Harish Datta" userId="S::kari.11@wright.edu::48a0b792-5ed7-4b10-8172-f6b375b21c36" providerId="AD" clId="Web-{DE97B44B-D01D-1BD6-9F1C-D10104C51E14}" dt="2023-02-06T04:50:56.546" v="43" actId="20577"/>
-      <pc:docMkLst>
-        <pc:docMk/>
-      </pc:docMkLst>
-      <pc:sldChg chg="modSp">
-        <pc:chgData name="Kari, Harish Datta" userId="S::kari.11@wright.edu::48a0b792-5ed7-4b10-8172-f6b375b21c36" providerId="AD" clId="Web-{DE97B44B-D01D-1BD6-9F1C-D10104C51E14}" dt="2023-02-06T04:50:56.546" v="43" actId="20577"/>
-        <pc:sldMkLst>
-          <pc:docMk/>
-          <pc:sldMk cId="3768545939" sldId="268"/>
-        </pc:sldMkLst>
-        <pc:spChg chg="mod">
-          <ac:chgData name="Kari, Harish Datta" userId="S::kari.11@wright.edu::48a0b792-5ed7-4b10-8172-f6b375b21c36" providerId="AD" clId="Web-{DE97B44B-D01D-1BD6-9F1C-D10104C51E14}" dt="2023-02-06T04:50:56.546" v="43" actId="20577"/>
-          <ac:spMkLst>
-            <pc:docMk/>
-            <pc:sldMk cId="3768545939" sldId="268"/>
-            <ac:spMk id="3" creationId="{094E7B3B-A318-31B2-AE70-FC99C50C28B7}"/>
-          </ac:spMkLst>
-        </pc:spChg>
-      </pc:sldChg>
-    </pc:docChg>
-  </pc:docChgLst>
   <pc:docChgLst>
     <pc:chgData name="Kari, Harish Datta" userId="S::kari.11@wright.edu::48a0b792-5ed7-4b10-8172-f6b375b21c36" providerId="AD" clId="Web-{E85C40C8-DE84-F810-CEB3-9222B71C5F30}"/>
     <pc:docChg chg="modSld">
@@ -254,6 +177,30 @@
             <pc:docMk/>
             <pc:sldMk cId="3768545939" sldId="268"/>
             <ac:spMk id="3" creationId="{094E7B3B-A318-31B2-AE70-FC99C50C28B7}"/>
+          </ac:spMkLst>
+        </pc:spChg>
+      </pc:sldChg>
+    </pc:docChg>
+  </pc:docChgLst>
+  <pc:docChgLst>
+    <pc:chgData name="priya narayana" userId="720dd49ed4f392c7" providerId="LiveId" clId="{BB705722-C97F-4ACB-98D1-976C2A841AAF}"/>
+    <pc:docChg chg="modSld">
+      <pc:chgData name="priya narayana" userId="720dd49ed4f392c7" providerId="LiveId" clId="{BB705722-C97F-4ACB-98D1-976C2A841AAF}" dt="2023-02-08T22:20:37.322" v="2" actId="20577"/>
+      <pc:docMkLst>
+        <pc:docMk/>
+      </pc:docMkLst>
+      <pc:sldChg chg="modSp mod">
+        <pc:chgData name="priya narayana" userId="720dd49ed4f392c7" providerId="LiveId" clId="{BB705722-C97F-4ACB-98D1-976C2A841AAF}" dt="2023-02-08T22:20:37.322" v="2" actId="20577"/>
+        <pc:sldMkLst>
+          <pc:docMk/>
+          <pc:sldMk cId="2647024725" sldId="267"/>
+        </pc:sldMkLst>
+        <pc:spChg chg="mod">
+          <ac:chgData name="priya narayana" userId="720dd49ed4f392c7" providerId="LiveId" clId="{BB705722-C97F-4ACB-98D1-976C2A841AAF}" dt="2023-02-08T22:20:37.322" v="2" actId="20577"/>
+          <ac:spMkLst>
+            <pc:docMk/>
+            <pc:sldMk cId="2647024725" sldId="267"/>
+            <ac:spMk id="3" creationId="{3AD2F850-89FC-4D9D-1A5C-5F1E438D9AFB}"/>
           </ac:spMkLst>
         </pc:spChg>
       </pc:sldChg>
@@ -386,38 +333,6 @@
     </pc:docChg>
   </pc:docChgLst>
   <pc:docChgLst>
-    <pc:chgData name="Gogineni, Priyanka" userId="S::gogineni.36@wright.edu::adda449b-b6ae-4578-af05-41b943b2e259" providerId="AD" clId="Web-{CA282FFF-34B3-EEE3-23DF-8C99865AB8DA}"/>
-    <pc:docChg chg="modSld">
-      <pc:chgData name="Gogineni, Priyanka" userId="S::gogineni.36@wright.edu::adda449b-b6ae-4578-af05-41b943b2e259" providerId="AD" clId="Web-{CA282FFF-34B3-EEE3-23DF-8C99865AB8DA}" dt="2023-02-05T04:43:29.463" v="75" actId="1076"/>
-      <pc:docMkLst>
-        <pc:docMk/>
-      </pc:docMkLst>
-      <pc:sldChg chg="modSp">
-        <pc:chgData name="Gogineni, Priyanka" userId="S::gogineni.36@wright.edu::adda449b-b6ae-4578-af05-41b943b2e259" providerId="AD" clId="Web-{CA282FFF-34B3-EEE3-23DF-8C99865AB8DA}" dt="2023-02-05T04:43:29.463" v="75" actId="1076"/>
-        <pc:sldMkLst>
-          <pc:docMk/>
-          <pc:sldMk cId="4213863883" sldId="265"/>
-        </pc:sldMkLst>
-        <pc:spChg chg="mod">
-          <ac:chgData name="Gogineni, Priyanka" userId="S::gogineni.36@wright.edu::adda449b-b6ae-4578-af05-41b943b2e259" providerId="AD" clId="Web-{CA282FFF-34B3-EEE3-23DF-8C99865AB8DA}" dt="2023-02-05T04:43:27.494" v="74" actId="20577"/>
-          <ac:spMkLst>
-            <pc:docMk/>
-            <pc:sldMk cId="4213863883" sldId="265"/>
-            <ac:spMk id="3" creationId="{D45ABF2E-1AA3-82A5-70BA-E51037EB1A15}"/>
-          </ac:spMkLst>
-        </pc:spChg>
-        <pc:picChg chg="mod">
-          <ac:chgData name="Gogineni, Priyanka" userId="S::gogineni.36@wright.edu::adda449b-b6ae-4578-af05-41b943b2e259" providerId="AD" clId="Web-{CA282FFF-34B3-EEE3-23DF-8C99865AB8DA}" dt="2023-02-05T04:43:29.463" v="75" actId="1076"/>
-          <ac:picMkLst>
-            <pc:docMk/>
-            <pc:sldMk cId="4213863883" sldId="265"/>
-            <ac:picMk id="4" creationId="{F50AE763-86C8-37F6-606E-550F465C82A5}"/>
-          </ac:picMkLst>
-        </pc:picChg>
-      </pc:sldChg>
-    </pc:docChg>
-  </pc:docChgLst>
-  <pc:docChgLst>
     <pc:chgData name="Roy, Soham" userId="S::roy.28@wright.edu::712dcdbe-1e13-4aeb-898c-506ad2b39bdf" providerId="AD" clId="Web-{1B63E792-CEC8-439C-92F4-F4193E2575AB}"/>
     <pc:docChg chg="modSld">
       <pc:chgData name="Roy, Soham" userId="S::roy.28@wright.edu::712dcdbe-1e13-4aeb-898c-506ad2b39bdf" providerId="AD" clId="Web-{1B63E792-CEC8-439C-92F4-F4193E2575AB}" dt="2023-02-05T00:42:45.239" v="108" actId="20577"/>
@@ -469,6 +384,101 @@
             <ac:picMk id="4" creationId="{F50AE763-86C8-37F6-606E-550F465C82A5}"/>
           </ac:picMkLst>
         </pc:picChg>
+      </pc:sldChg>
+    </pc:docChg>
+  </pc:docChgLst>
+  <pc:docChgLst>
+    <pc:chgData name="Kari, Harish Datta" userId="S::kari.11@wright.edu::48a0b792-5ed7-4b10-8172-f6b375b21c36" providerId="AD" clId="Web-{DE97B44B-D01D-1BD6-9F1C-D10104C51E14}"/>
+    <pc:docChg chg="modSld">
+      <pc:chgData name="Kari, Harish Datta" userId="S::kari.11@wright.edu::48a0b792-5ed7-4b10-8172-f6b375b21c36" providerId="AD" clId="Web-{DE97B44B-D01D-1BD6-9F1C-D10104C51E14}" dt="2023-02-06T04:50:56.546" v="43" actId="20577"/>
+      <pc:docMkLst>
+        <pc:docMk/>
+      </pc:docMkLst>
+      <pc:sldChg chg="modSp">
+        <pc:chgData name="Kari, Harish Datta" userId="S::kari.11@wright.edu::48a0b792-5ed7-4b10-8172-f6b375b21c36" providerId="AD" clId="Web-{DE97B44B-D01D-1BD6-9F1C-D10104C51E14}" dt="2023-02-06T04:50:56.546" v="43" actId="20577"/>
+        <pc:sldMkLst>
+          <pc:docMk/>
+          <pc:sldMk cId="3768545939" sldId="268"/>
+        </pc:sldMkLst>
+        <pc:spChg chg="mod">
+          <ac:chgData name="Kari, Harish Datta" userId="S::kari.11@wright.edu::48a0b792-5ed7-4b10-8172-f6b375b21c36" providerId="AD" clId="Web-{DE97B44B-D01D-1BD6-9F1C-D10104C51E14}" dt="2023-02-06T04:50:56.546" v="43" actId="20577"/>
+          <ac:spMkLst>
+            <pc:docMk/>
+            <pc:sldMk cId="3768545939" sldId="268"/>
+            <ac:spMk id="3" creationId="{094E7B3B-A318-31B2-AE70-FC99C50C28B7}"/>
+          </ac:spMkLst>
+        </pc:spChg>
+      </pc:sldChg>
+    </pc:docChg>
+  </pc:docChgLst>
+  <pc:docChgLst>
+    <pc:chgData name="Gogineni, Priyanka" userId="S::gogineni.36@wright.edu::adda449b-b6ae-4578-af05-41b943b2e259" providerId="AD" clId="Web-{CA282FFF-34B3-EEE3-23DF-8C99865AB8DA}"/>
+    <pc:docChg chg="modSld">
+      <pc:chgData name="Gogineni, Priyanka" userId="S::gogineni.36@wright.edu::adda449b-b6ae-4578-af05-41b943b2e259" providerId="AD" clId="Web-{CA282FFF-34B3-EEE3-23DF-8C99865AB8DA}" dt="2023-02-05T04:43:29.463" v="75" actId="1076"/>
+      <pc:docMkLst>
+        <pc:docMk/>
+      </pc:docMkLst>
+      <pc:sldChg chg="modSp">
+        <pc:chgData name="Gogineni, Priyanka" userId="S::gogineni.36@wright.edu::adda449b-b6ae-4578-af05-41b943b2e259" providerId="AD" clId="Web-{CA282FFF-34B3-EEE3-23DF-8C99865AB8DA}" dt="2023-02-05T04:43:29.463" v="75" actId="1076"/>
+        <pc:sldMkLst>
+          <pc:docMk/>
+          <pc:sldMk cId="4213863883" sldId="265"/>
+        </pc:sldMkLst>
+        <pc:spChg chg="mod">
+          <ac:chgData name="Gogineni, Priyanka" userId="S::gogineni.36@wright.edu::adda449b-b6ae-4578-af05-41b943b2e259" providerId="AD" clId="Web-{CA282FFF-34B3-EEE3-23DF-8C99865AB8DA}" dt="2023-02-05T04:43:27.494" v="74" actId="20577"/>
+          <ac:spMkLst>
+            <pc:docMk/>
+            <pc:sldMk cId="4213863883" sldId="265"/>
+            <ac:spMk id="3" creationId="{D45ABF2E-1AA3-82A5-70BA-E51037EB1A15}"/>
+          </ac:spMkLst>
+        </pc:spChg>
+        <pc:picChg chg="mod">
+          <ac:chgData name="Gogineni, Priyanka" userId="S::gogineni.36@wright.edu::adda449b-b6ae-4578-af05-41b943b2e259" providerId="AD" clId="Web-{CA282FFF-34B3-EEE3-23DF-8C99865AB8DA}" dt="2023-02-05T04:43:29.463" v="75" actId="1076"/>
+          <ac:picMkLst>
+            <pc:docMk/>
+            <pc:sldMk cId="4213863883" sldId="265"/>
+            <ac:picMk id="4" creationId="{F50AE763-86C8-37F6-606E-550F465C82A5}"/>
+          </ac:picMkLst>
+        </pc:picChg>
+      </pc:sldChg>
+    </pc:docChg>
+  </pc:docChgLst>
+  <pc:docChgLst>
+    <pc:chgData name="Roy, Soham" userId="S::roy.28@wright.edu::712dcdbe-1e13-4aeb-898c-506ad2b39bdf" providerId="AD" clId="Web-{6F9DBF2D-7874-7E7C-2BDE-25F3B053F6AE}"/>
+    <pc:docChg chg="modSld">
+      <pc:chgData name="Roy, Soham" userId="S::roy.28@wright.edu::712dcdbe-1e13-4aeb-898c-506ad2b39bdf" providerId="AD" clId="Web-{6F9DBF2D-7874-7E7C-2BDE-25F3B053F6AE}" dt="2023-02-06T03:36:06.515" v="83" actId="20577"/>
+      <pc:docMkLst>
+        <pc:docMk/>
+      </pc:docMkLst>
+      <pc:sldChg chg="modSp">
+        <pc:chgData name="Roy, Soham" userId="S::roy.28@wright.edu::712dcdbe-1e13-4aeb-898c-506ad2b39bdf" providerId="AD" clId="Web-{6F9DBF2D-7874-7E7C-2BDE-25F3B053F6AE}" dt="2023-02-06T03:34:57.981" v="81" actId="20577"/>
+        <pc:sldMkLst>
+          <pc:docMk/>
+          <pc:sldMk cId="3768545939" sldId="268"/>
+        </pc:sldMkLst>
+        <pc:spChg chg="mod">
+          <ac:chgData name="Roy, Soham" userId="S::roy.28@wright.edu::712dcdbe-1e13-4aeb-898c-506ad2b39bdf" providerId="AD" clId="Web-{6F9DBF2D-7874-7E7C-2BDE-25F3B053F6AE}" dt="2023-02-06T03:34:57.981" v="81" actId="20577"/>
+          <ac:spMkLst>
+            <pc:docMk/>
+            <pc:sldMk cId="3768545939" sldId="268"/>
+            <ac:spMk id="3" creationId="{094E7B3B-A318-31B2-AE70-FC99C50C28B7}"/>
+          </ac:spMkLst>
+        </pc:spChg>
+      </pc:sldChg>
+      <pc:sldChg chg="modSp">
+        <pc:chgData name="Roy, Soham" userId="S::roy.28@wright.edu::712dcdbe-1e13-4aeb-898c-506ad2b39bdf" providerId="AD" clId="Web-{6F9DBF2D-7874-7E7C-2BDE-25F3B053F6AE}" dt="2023-02-06T03:36:06.515" v="83" actId="20577"/>
+        <pc:sldMkLst>
+          <pc:docMk/>
+          <pc:sldMk cId="2744747944" sldId="270"/>
+        </pc:sldMkLst>
+        <pc:spChg chg="mod">
+          <ac:chgData name="Roy, Soham" userId="S::roy.28@wright.edu::712dcdbe-1e13-4aeb-898c-506ad2b39bdf" providerId="AD" clId="Web-{6F9DBF2D-7874-7E7C-2BDE-25F3B053F6AE}" dt="2023-02-06T03:36:06.515" v="83" actId="20577"/>
+          <ac:spMkLst>
+            <pc:docMk/>
+            <pc:sldMk cId="2744747944" sldId="270"/>
+            <ac:spMk id="3" creationId="{9B17780E-257E-918A-9E87-9BE2EA7A20B9}"/>
+          </ac:spMkLst>
+        </pc:spChg>
       </pc:sldChg>
     </pc:docChg>
   </pc:docChgLst>
@@ -3080,7 +3090,7 @@
           <a:p>
             <a:fld id="{AF869721-F543-4A6C-BF9D-65D7CC540427}" type="datetimeFigureOut">
               <a:rPr lang="en-US" smtClean="0"/>
-              <a:t>2/6/2023</a:t>
+              <a:t>2/8/2023</a:t>
             </a:fld>
             <a:endParaRPr lang="en-US"/>
           </a:p>
@@ -3257,7 +3267,7 @@
           <a:p>
             <a:fld id="{C732326A-4C88-4AFB-AA5B-5919D81DFF5B}" type="datetimeFigureOut">
               <a:rPr lang="en-US" smtClean="0"/>
-              <a:t>2/6/2023</a:t>
+              <a:t>2/8/2023</a:t>
             </a:fld>
             <a:endParaRPr lang="en-US"/>
           </a:p>
@@ -4020,7 +4030,7 @@
             <a:fld id="{B61BEF0D-F0BB-DE4B-95CE-6DB70DBA9567}" type="datetimeFigureOut">
               <a:rPr lang="en-US" smtClean="0"/>
               <a:pPr/>
-              <a:t>2/6/2023</a:t>
+              <a:t>2/8/2023</a:t>
             </a:fld>
             <a:endParaRPr lang="en-US"/>
           </a:p>
@@ -4282,7 +4292,7 @@
             <a:fld id="{B61BEF0D-F0BB-DE4B-95CE-6DB70DBA9567}" type="datetimeFigureOut">
               <a:rPr lang="en-US" smtClean="0"/>
               <a:pPr/>
-              <a:t>2/6/2023</a:t>
+              <a:t>2/8/2023</a:t>
             </a:fld>
             <a:endParaRPr lang="en-US"/>
           </a:p>
@@ -4517,7 +4527,7 @@
             <a:fld id="{B61BEF0D-F0BB-DE4B-95CE-6DB70DBA9567}" type="datetimeFigureOut">
               <a:rPr lang="en-US" smtClean="0"/>
               <a:pPr/>
-              <a:t>2/6/2023</a:t>
+              <a:t>2/8/2023</a:t>
             </a:fld>
             <a:endParaRPr lang="en-US"/>
           </a:p>
@@ -4757,7 +4767,7 @@
             <a:fld id="{B61BEF0D-F0BB-DE4B-95CE-6DB70DBA9567}" type="datetimeFigureOut">
               <a:rPr lang="en-US" smtClean="0"/>
               <a:pPr/>
-              <a:t>2/6/2023</a:t>
+              <a:t>2/8/2023</a:t>
             </a:fld>
             <a:endParaRPr lang="en-US"/>
           </a:p>
@@ -5065,7 +5075,7 @@
             <a:fld id="{B61BEF0D-F0BB-DE4B-95CE-6DB70DBA9567}" type="datetimeFigureOut">
               <a:rPr lang="en-US" smtClean="0"/>
               <a:pPr/>
-              <a:t>2/6/2023</a:t>
+              <a:t>2/8/2023</a:t>
             </a:fld>
             <a:endParaRPr lang="en-US"/>
           </a:p>
@@ -5366,7 +5376,7 @@
             <a:fld id="{B61BEF0D-F0BB-DE4B-95CE-6DB70DBA9567}" type="datetimeFigureOut">
               <a:rPr lang="en-US" smtClean="0"/>
               <a:pPr/>
-              <a:t>2/6/2023</a:t>
+              <a:t>2/8/2023</a:t>
             </a:fld>
             <a:endParaRPr lang="en-US"/>
           </a:p>
@@ -5787,7 +5797,7 @@
             <a:fld id="{B61BEF0D-F0BB-DE4B-95CE-6DB70DBA9567}" type="datetimeFigureOut">
               <a:rPr lang="en-US" smtClean="0"/>
               <a:pPr/>
-              <a:t>2/6/2023</a:t>
+              <a:t>2/8/2023</a:t>
             </a:fld>
             <a:endParaRPr lang="en-US"/>
           </a:p>
@@ -5884,7 +5894,7 @@
             <a:fld id="{B61BEF0D-F0BB-DE4B-95CE-6DB70DBA9567}" type="datetimeFigureOut">
               <a:rPr lang="en-US" smtClean="0"/>
               <a:pPr/>
-              <a:t>2/6/2023</a:t>
+              <a:t>2/8/2023</a:t>
             </a:fld>
             <a:endParaRPr lang="en-US"/>
           </a:p>
@@ -6047,7 +6057,7 @@
             <a:fld id="{B61BEF0D-F0BB-DE4B-95CE-6DB70DBA9567}" type="datetimeFigureOut">
               <a:rPr lang="en-US" smtClean="0"/>
               <a:pPr/>
-              <a:t>2/6/2023</a:t>
+              <a:t>2/8/2023</a:t>
             </a:fld>
             <a:endParaRPr lang="en-US"/>
           </a:p>
@@ -6425,7 +6435,7 @@
             <a:fld id="{B61BEF0D-F0BB-DE4B-95CE-6DB70DBA9567}" type="datetimeFigureOut">
               <a:rPr lang="en-US" smtClean="0"/>
               <a:pPr/>
-              <a:t>2/6/2023</a:t>
+              <a:t>2/8/2023</a:t>
             </a:fld>
             <a:endParaRPr lang="en-US"/>
           </a:p>
@@ -6714,7 +6724,7 @@
             <a:fld id="{B61BEF0D-F0BB-DE4B-95CE-6DB70DBA9567}" type="datetimeFigureOut">
               <a:rPr lang="en-US" smtClean="0"/>
               <a:pPr/>
-              <a:t>2/6/2023</a:t>
+              <a:t>2/8/2023</a:t>
             </a:fld>
             <a:endParaRPr lang="en-US"/>
           </a:p>
@@ -6925,7 +6935,7 @@
             <a:fld id="{B61BEF0D-F0BB-DE4B-95CE-6DB70DBA9567}" type="datetimeFigureOut">
               <a:rPr lang="en-US" smtClean="0"/>
               <a:pPr/>
-              <a:t>2/6/2023</a:t>
+              <a:t>2/8/2023</a:t>
             </a:fld>
             <a:endParaRPr lang="en-US"/>
           </a:p>
@@ -8236,13 +8246,13 @@
   <p:clrMapOvr>
     <a:masterClrMapping/>
   </p:clrMapOvr>
-  <mc:AlternateContent xmlns:mc="http://schemas.openxmlformats.org/markup-compatibility/2006">
-    <mc:Choice xmlns:p159="http://schemas.microsoft.com/office/powerpoint/2015/09/main" Requires="p159">
+  <mc:AlternateContent xmlns:mc="http://schemas.openxmlformats.org/markup-compatibility/2006" xmlns:p159="http://schemas.microsoft.com/office/powerpoint/2015/09/main">
+    <mc:Choice Requires="p159">
       <p:transition xmlns:p14="http://schemas.microsoft.com/office/powerpoint/2010/main" spd="slow" p14:dur="2000">
         <p159:morph option="byObject"/>
       </p:transition>
     </mc:Choice>
-    <mc:Fallback>
+    <mc:Fallback xmlns="">
       <p:transition spd="slow">
         <p:fade/>
       </p:transition>
@@ -8350,13 +8360,13 @@
   <p:clrMapOvr>
     <a:masterClrMapping/>
   </p:clrMapOvr>
-  <mc:AlternateContent xmlns:mc="http://schemas.openxmlformats.org/markup-compatibility/2006">
-    <mc:Choice xmlns:p14="http://schemas.microsoft.com/office/powerpoint/2010/main" Requires="p14">
+  <mc:AlternateContent xmlns:mc="http://schemas.openxmlformats.org/markup-compatibility/2006" xmlns:p14="http://schemas.microsoft.com/office/powerpoint/2010/main">
+    <mc:Choice Requires="p14">
       <p:transition spd="slow" p14:dur="800">
         <p:circle/>
       </p:transition>
     </mc:Choice>
-    <mc:Fallback>
+    <mc:Fallback xmlns="">
       <p:transition spd="slow">
         <p:circle/>
       </p:transition>
@@ -8982,13 +8992,13 @@
   <p:clrMapOvr>
     <a:masterClrMapping/>
   </p:clrMapOvr>
-  <mc:AlternateContent xmlns:mc="http://schemas.openxmlformats.org/markup-compatibility/2006">
-    <mc:Choice xmlns:p15="http://schemas.microsoft.com/office/powerpoint/2012/main" Requires="p15">
+  <mc:AlternateContent xmlns:mc="http://schemas.openxmlformats.org/markup-compatibility/2006" xmlns:p15="http://schemas.microsoft.com/office/powerpoint/2012/main">
+    <mc:Choice Requires="p15">
       <p:transition xmlns:p14="http://schemas.microsoft.com/office/powerpoint/2010/main" spd="slow" p14:dur="2000">
         <p15:prstTrans prst="fallOver"/>
       </p:transition>
     </mc:Choice>
-    <mc:Fallback>
+    <mc:Fallback xmlns="">
       <p:transition spd="slow">
         <p:fade/>
       </p:transition>
@@ -9616,13 +9626,13 @@
   <p:clrMapOvr>
     <a:masterClrMapping/>
   </p:clrMapOvr>
-  <mc:AlternateContent xmlns:mc="http://schemas.openxmlformats.org/markup-compatibility/2006">
-    <mc:Choice xmlns:p15="http://schemas.microsoft.com/office/powerpoint/2012/main" Requires="p15">
+  <mc:AlternateContent xmlns:mc="http://schemas.openxmlformats.org/markup-compatibility/2006" xmlns:p15="http://schemas.microsoft.com/office/powerpoint/2012/main">
+    <mc:Choice Requires="p15">
       <p:transition xmlns:p14="http://schemas.microsoft.com/office/powerpoint/2010/main" spd="slow" p14:dur="1250">
         <p15:prstTrans prst="peelOff"/>
       </p:transition>
     </mc:Choice>
-    <mc:Fallback>
+    <mc:Fallback xmlns="">
       <p:transition spd="slow">
         <p:fade/>
       </p:transition>
@@ -10104,13 +10114,13 @@
   <p:clrMapOvr>
     <a:masterClrMapping/>
   </p:clrMapOvr>
-  <mc:AlternateContent xmlns:mc="http://schemas.openxmlformats.org/markup-compatibility/2006">
-    <mc:Choice xmlns:p14="http://schemas.microsoft.com/office/powerpoint/2010/main" Requires="p14">
+  <mc:AlternateContent xmlns:mc="http://schemas.openxmlformats.org/markup-compatibility/2006" xmlns:p14="http://schemas.microsoft.com/office/powerpoint/2010/main">
+    <mc:Choice Requires="p14">
       <p:transition spd="slow" p14:dur="1500">
         <p:split orient="vert"/>
       </p:transition>
     </mc:Choice>
-    <mc:Fallback>
+    <mc:Fallback xmlns="">
       <p:transition spd="slow">
         <p:split orient="vert"/>
       </p:transition>
@@ -10235,13 +10245,13 @@
   <p:clrMapOvr>
     <a:masterClrMapping/>
   </p:clrMapOvr>
-  <mc:AlternateContent xmlns:mc="http://schemas.openxmlformats.org/markup-compatibility/2006">
-    <mc:Choice xmlns:p14="http://schemas.microsoft.com/office/powerpoint/2010/main" Requires="p14">
+  <mc:AlternateContent xmlns:mc="http://schemas.openxmlformats.org/markup-compatibility/2006" xmlns:p14="http://schemas.microsoft.com/office/powerpoint/2010/main">
+    <mc:Choice Requires="p14">
       <p:transition spd="med" p14:dur="700">
         <p:fade/>
       </p:transition>
     </mc:Choice>
-    <mc:Fallback>
+    <mc:Fallback xmlns="">
       <p:transition spd="med">
         <p:fade/>
       </p:transition>
@@ -10412,8 +10422,8 @@
               <a:buNone/>
             </a:pPr>
             <a:r>
-              <a:rPr lang="en-US"/>
-              <a:t>The short answer is yes!  We plan to offer a small package that is made with minimal cost.  We can then inflate the cost to sell to the average user.  Although out prototype may a bit bulky using a Raspberry Pi, we can eventually port the code to an embedded system of a microprocessor, small camera and motion sensor.  The cost should be minimal once production begins.</a:t>
+              <a:rPr lang="en-US" dirty="0"/>
+              <a:t>The short answer is yes! People that use this product become more conscious of how much they recycle and how it will assist to preserve the environment. In addition to raising awareness, this product inspires people in a variety of ways.</a:t>
             </a:r>
           </a:p>
         </p:txBody>
@@ -10428,13 +10438,13 @@
   <p:clrMapOvr>
     <a:masterClrMapping/>
   </p:clrMapOvr>
-  <mc:AlternateContent xmlns:mc="http://schemas.openxmlformats.org/markup-compatibility/2006">
-    <mc:Choice xmlns:p14="http://schemas.microsoft.com/office/powerpoint/2010/main" Requires="p14">
+  <mc:AlternateContent xmlns:mc="http://schemas.openxmlformats.org/markup-compatibility/2006" xmlns:p14="http://schemas.microsoft.com/office/powerpoint/2010/main">
+    <mc:Choice Requires="p14">
       <p:transition spd="med" p14:dur="700">
         <p:fade/>
       </p:transition>
     </mc:Choice>
-    <mc:Fallback>
+    <mc:Fallback xmlns="">
       <p:transition spd="med">
         <p:fade/>
       </p:transition>
